--- a/documentation/Presentation.pptx
+++ b/documentation/Presentation.pptx
@@ -109,6 +109,11 @@
       </a:defRPr>
     </a:lvl9pPr>
   </p:defaultTextStyle>
+  <p:extLst>
+    <p:ext uri="{EFAFB233-063F-42B5-8137-9DF3F51BA10A}">
+      <p15:sldGuideLst xmlns:p15="http://schemas.microsoft.com/office/powerpoint/2012/main"/>
+    </p:ext>
+  </p:extLst>
 </p:presentation>
 </file>
 
@@ -3945,7 +3950,7 @@
           <p:nvPr/>
         </p:nvPicPr>
         <p:blipFill>
-          <a:blip r:embed="rId3">
+          <a:blip r:embed="rId4">
             <a:extLst>
               <a:ext uri="{28A0092B-C50C-407E-A947-70E740481C1C}">
                 <a14:useLocalDpi xmlns:a14="http://schemas.microsoft.com/office/drawing/2010/main" val="0"/>
@@ -3983,7 +3988,7 @@
           </p:nvPr>
         </p:nvPicPr>
         <p:blipFill>
-          <a:blip r:embed="rId4">
+          <a:blip r:embed="rId5">
             <a:extLst>
               <a:ext uri="{28A0092B-C50C-407E-A947-70E740481C1C}">
                 <a14:useLocalDpi xmlns:a14="http://schemas.microsoft.com/office/drawing/2010/main" val="0"/>
@@ -4016,7 +4021,7 @@
           <p:nvPr/>
         </p:nvPicPr>
         <p:blipFill rotWithShape="1">
-          <a:blip r:embed="rId5">
+          <a:blip r:embed="rId6">
             <a:extLst>
               <a:ext uri="{28A0092B-C50C-407E-A947-70E740481C1C}">
                 <a14:useLocalDpi xmlns:a14="http://schemas.microsoft.com/office/drawing/2010/main" val="0"/>
@@ -4054,14 +4059,47 @@
           </p:nvPr>
         </p:nvPicPr>
         <p:blipFill>
-          <a:blip r:embed="rId6"/>
+          <a:blip r:embed="rId7"/>
           <a:stretch>
             <a:fillRect/>
           </a:stretch>
         </p:blipFill>
         <p:spPr>
           <a:xfrm>
-            <a:off x="6465651" y="1448459"/>
+            <a:off x="6465651" y="675376"/>
+            <a:ext cx="4572000" cy="2571750"/>
+          </a:xfrm>
+          <a:prstGeom prst="rect">
+            <a:avLst/>
+          </a:prstGeom>
+        </p:spPr>
+      </p:pic>
+      <p:pic>
+        <p:nvPicPr>
+          <p:cNvPr id="3" name="Online Media 2">
+            <a:hlinkClick r:id="" action="ppaction://media"/>
+            <a:extLst>
+              <a:ext uri="{FF2B5EF4-FFF2-40B4-BE49-F238E27FC236}">
+                <a16:creationId xmlns:a16="http://schemas.microsoft.com/office/drawing/2014/main" id="{76D907E9-AA9D-48D2-965B-6466AF402817}"/>
+              </a:ext>
+            </a:extLst>
+          </p:cNvPr>
+          <p:cNvPicPr>
+            <a:picLocks noRot="1" noChangeAspect="1"/>
+          </p:cNvPicPr>
+          <p:nvPr>
+            <a:videoFile r:link="rId2"/>
+          </p:nvPr>
+        </p:nvPicPr>
+        <p:blipFill>
+          <a:blip r:embed="rId7"/>
+          <a:stretch>
+            <a:fillRect/>
+          </a:stretch>
+        </p:blipFill>
+        <p:spPr>
+          <a:xfrm>
+            <a:off x="6457338" y="3540125"/>
             <a:ext cx="4572000" cy="2571750"/>
           </a:xfrm>
           <a:prstGeom prst="rect">
